--- a/Book Recommender.pptx
+++ b/Book Recommender.pptx
@@ -9012,6 +9012,9 @@
     <p:sldLayoutId id="2147483657" r:id="rId10"/>
     <p:sldLayoutId id="2147483658" r:id="rId11"/>
   </p:sldLayoutIdLst>
+  <p:transition spd="med">
+    <p:push dir="r"/>
+  </p:transition>
   <p:hf dt="0" ftr="0" hdr="0" sldNum="0"/>
   <p:txStyles>
     <p:titleStyle>
@@ -10175,7 +10178,7 @@
             </a:pPr>
             <a:r>
               <a:rPr lang="en" sz="1800"/>
-              <a:t>I separated 20% of users with their ratings to create a test set and randomly selected 10 books that they had rated</a:t>
+              <a:t>I found that the average user’s rating was around 3.89</a:t>
             </a:r>
             <a:endParaRPr sz="1800"/>
           </a:p>
@@ -10195,7 +10198,25 @@
             </a:pPr>
             <a:r>
               <a:rPr lang="en" sz="1800"/>
-              <a:t>This was done to find that the average user’s rating was around 3.89</a:t>
+              <a:t>This value will be my benchmark performance for the model</a:t>
+            </a:r>
+            <a:endParaRPr sz="1800"/>
+          </a:p>
+          <a:p>
+            <a:pPr indent="0" lvl="0" marL="0" rtl="0" algn="l">
+              <a:lnSpc>
+                <a:spcPct val="115000"/>
+              </a:lnSpc>
+              <a:spcBef>
+                <a:spcPts val="1000"/>
+              </a:spcBef>
+              <a:spcAft>
+                <a:spcPts val="0"/>
+              </a:spcAft>
+              <a:buNone/>
+            </a:pPr>
+            <a:r>
+              <a:t/>
             </a:r>
             <a:endParaRPr sz="1800"/>
           </a:p>
@@ -11415,8 +11436,8 @@
         </p:nvSpPr>
         <p:spPr>
           <a:xfrm>
-            <a:off x="1297650" y="1567550"/>
-            <a:ext cx="7038900" cy="1234800"/>
+            <a:off x="1301150" y="965000"/>
+            <a:ext cx="7038900" cy="1868100"/>
           </a:xfrm>
           <a:prstGeom prst="rect">
             <a:avLst/>
@@ -11430,7 +11451,7 @@
           <a:p>
             <a:pPr indent="-311150" lvl="0" marL="457200" rtl="0" algn="l">
               <a:spcBef>
-                <a:spcPts val="0"/>
+                <a:spcPts val="1000"/>
               </a:spcBef>
               <a:spcAft>
                 <a:spcPts val="0"/>
@@ -11440,14 +11461,14 @@
             </a:pPr>
             <a:r>
               <a:rPr lang="en"/>
-              <a:t>Along with clustering, I wanted to explore recommending books based solely on the book title.</a:t>
+              <a:t>What if a user does not have a history of ratings?  What books should be recommended?</a:t>
             </a:r>
             <a:endParaRPr/>
           </a:p>
           <a:p>
             <a:pPr indent="-311150" lvl="0" marL="457200" rtl="0" algn="l">
               <a:spcBef>
-                <a:spcPts val="0"/>
+                <a:spcPts val="1600"/>
               </a:spcBef>
               <a:spcAft>
                 <a:spcPts val="0"/>
@@ -11457,7 +11478,24 @@
             </a:pPr>
             <a:r>
               <a:rPr lang="en"/>
-              <a:t>Using a term frequency - inverse document frequency (tf-idf) vectorizer, I found the cosine similarity between the authors of the books to create a list of recommended books</a:t>
+              <a:t>Usea term frequency - inverse document frequency (tf-idf) vectorizer to  create a cosine similarity matrix  of the names of the authors</a:t>
+            </a:r>
+            <a:endParaRPr/>
+          </a:p>
+          <a:p>
+            <a:pPr indent="-311150" lvl="0" marL="457200" rtl="0" algn="l">
+              <a:spcBef>
+                <a:spcPts val="1600"/>
+              </a:spcBef>
+              <a:spcAft>
+                <a:spcPts val="1600"/>
+              </a:spcAft>
+              <a:buSzPts val="1300"/>
+              <a:buChar char="●"/>
+            </a:pPr>
+            <a:r>
+              <a:rPr lang="en"/>
+              <a:t>I can then use this matrix to find similar authors’ books based on the ratings that were given by other users</a:t>
             </a:r>
             <a:endParaRPr/>
           </a:p>
@@ -11986,7 +12024,7 @@
             </a:pPr>
             <a:r>
               <a:rPr lang="en" sz="1600"/>
-              <a:t>One way to improve the performance of this model would be to obtain more detailed data that was not restricted to a strict 1-5 rating as well as a standardized meaning for the rating</a:t>
+              <a:t>One  issue was that the popular books such as Calvin and Hobbes and Harry Potter dominated the recommendations so removing extremely popular books could give more interesting results</a:t>
             </a:r>
             <a:endParaRPr sz="1600"/>
           </a:p>
@@ -12011,13 +12049,47 @@
                 <a:spcPts val="1600"/>
               </a:spcBef>
               <a:spcAft>
-                <a:spcPts val="1600"/>
+                <a:spcPts val="0"/>
               </a:spcAft>
               <a:buNone/>
             </a:pPr>
             <a:r>
               <a:rPr lang="en" sz="1600"/>
-              <a:t>Another issue was that the popular books such as Calvin and Hobbes and Harry Potter dominated the recommendations so removing extremely popular books could give more interesting results</a:t>
+              <a:t>Another</a:t>
+            </a:r>
+            <a:r>
+              <a:rPr lang="en" sz="1600"/>
+              <a:t> way to improve the performance of this model would be to obtain more detailed data that was not restricted to a strict 1-5 rating as well as a standardized meaning for the rating</a:t>
+            </a:r>
+            <a:endParaRPr sz="1600"/>
+          </a:p>
+          <a:p>
+            <a:pPr indent="0" lvl="0" marL="0" rtl="0" algn="l">
+              <a:spcBef>
+                <a:spcPts val="1600"/>
+              </a:spcBef>
+              <a:spcAft>
+                <a:spcPts val="0"/>
+              </a:spcAft>
+              <a:buNone/>
+            </a:pPr>
+            <a:r>
+              <a:t/>
+            </a:r>
+            <a:endParaRPr sz="1600"/>
+          </a:p>
+          <a:p>
+            <a:pPr indent="0" lvl="0" marL="0" rtl="0" algn="l">
+              <a:spcBef>
+                <a:spcPts val="1600"/>
+              </a:spcBef>
+              <a:spcAft>
+                <a:spcPts val="1600"/>
+              </a:spcAft>
+              <a:buNone/>
+            </a:pPr>
+            <a:r>
+              <a:t/>
             </a:r>
             <a:endParaRPr sz="1600"/>
           </a:p>

--- a/Book Recommender.pptx
+++ b/Book Recommender.pptx
@@ -820,7 +820,7 @@
   <p:cSld>
     <p:spTree>
       <p:nvGrpSpPr>
-        <p:cNvPr id="138" name="Shape 138"/>
+        <p:cNvPr id="141" name="Shape 141"/>
         <p:cNvGrpSpPr/>
         <p:nvPr/>
       </p:nvGrpSpPr>
@@ -834,7 +834,7 @@
       </p:grpSpPr>
       <p:sp>
         <p:nvSpPr>
-          <p:cNvPr id="139" name="Google Shape;139;g9a2fac8fb4_0_175:notes"/>
+          <p:cNvPr id="142" name="Google Shape;142;g9a2fac8fb4_0_175:notes"/>
           <p:cNvSpPr/>
           <p:nvPr>
             <p:ph idx="2" type="sldImg"/>
@@ -869,7 +869,7 @@
       </p:sp>
       <p:sp>
         <p:nvSpPr>
-          <p:cNvPr id="140" name="Google Shape;140;g9a2fac8fb4_0_175:notes"/>
+          <p:cNvPr id="143" name="Google Shape;143;g9a2fac8fb4_0_175:notes"/>
           <p:cNvSpPr txBox="1"/>
           <p:nvPr>
             <p:ph idx="1" type="body"/>
@@ -919,7 +919,7 @@
   <p:cSld>
     <p:spTree>
       <p:nvGrpSpPr>
-        <p:cNvPr id="146" name="Shape 146"/>
+        <p:cNvPr id="149" name="Shape 149"/>
         <p:cNvGrpSpPr/>
         <p:nvPr/>
       </p:nvGrpSpPr>
@@ -933,7 +933,7 @@
       </p:grpSpPr>
       <p:sp>
         <p:nvSpPr>
-          <p:cNvPr id="147" name="Google Shape;147;g9a2fac8fb4_0_184:notes"/>
+          <p:cNvPr id="150" name="Google Shape;150;g9a2fac8fb4_0_184:notes"/>
           <p:cNvSpPr/>
           <p:nvPr>
             <p:ph idx="2" type="sldImg"/>
@@ -968,7 +968,7 @@
       </p:sp>
       <p:sp>
         <p:nvSpPr>
-          <p:cNvPr id="148" name="Google Shape;148;g9a2fac8fb4_0_184:notes"/>
+          <p:cNvPr id="151" name="Google Shape;151;g9a2fac8fb4_0_184:notes"/>
           <p:cNvSpPr txBox="1"/>
           <p:nvPr>
             <p:ph idx="1" type="body"/>
@@ -1018,7 +1018,7 @@
   <p:cSld>
     <p:spTree>
       <p:nvGrpSpPr>
-        <p:cNvPr id="152" name="Shape 152"/>
+        <p:cNvPr id="155" name="Shape 155"/>
         <p:cNvGrpSpPr/>
         <p:nvPr/>
       </p:nvGrpSpPr>
@@ -1032,7 +1032,7 @@
       </p:grpSpPr>
       <p:sp>
         <p:nvSpPr>
-          <p:cNvPr id="153" name="Google Shape;153;g9a2fac8fb4_0_189:notes"/>
+          <p:cNvPr id="156" name="Google Shape;156;g9a2fac8fb4_0_189:notes"/>
           <p:cNvSpPr/>
           <p:nvPr>
             <p:ph idx="2" type="sldImg"/>
@@ -1067,7 +1067,7 @@
       </p:sp>
       <p:sp>
         <p:nvSpPr>
-          <p:cNvPr id="154" name="Google Shape;154;g9a2fac8fb4_0_189:notes"/>
+          <p:cNvPr id="157" name="Google Shape;157;g9a2fac8fb4_0_189:notes"/>
           <p:cNvSpPr txBox="1"/>
           <p:nvPr>
             <p:ph idx="1" type="body"/>
@@ -1131,7 +1131,7 @@
   <p:cSld>
     <p:spTree>
       <p:nvGrpSpPr>
-        <p:cNvPr id="159" name="Shape 159"/>
+        <p:cNvPr id="162" name="Shape 162"/>
         <p:cNvGrpSpPr/>
         <p:nvPr/>
       </p:nvGrpSpPr>
@@ -1145,7 +1145,7 @@
       </p:grpSpPr>
       <p:sp>
         <p:nvSpPr>
-          <p:cNvPr id="160" name="Google Shape;160;g9a2fac8fb4_0_221:notes"/>
+          <p:cNvPr id="163" name="Google Shape;163;g9a2fac8fb4_0_221:notes"/>
           <p:cNvSpPr/>
           <p:nvPr>
             <p:ph idx="2" type="sldImg"/>
@@ -1180,7 +1180,7 @@
       </p:sp>
       <p:sp>
         <p:nvSpPr>
-          <p:cNvPr id="161" name="Google Shape;161;g9a2fac8fb4_0_221:notes"/>
+          <p:cNvPr id="164" name="Google Shape;164;g9a2fac8fb4_0_221:notes"/>
           <p:cNvSpPr txBox="1"/>
           <p:nvPr>
             <p:ph idx="1" type="body"/>
@@ -1230,7 +1230,7 @@
   <p:cSld>
     <p:spTree>
       <p:nvGrpSpPr>
-        <p:cNvPr id="165" name="Shape 165"/>
+        <p:cNvPr id="168" name="Shape 168"/>
         <p:cNvGrpSpPr/>
         <p:nvPr/>
       </p:nvGrpSpPr>
@@ -1244,7 +1244,7 @@
       </p:grpSpPr>
       <p:sp>
         <p:nvSpPr>
-          <p:cNvPr id="166" name="Google Shape;166;g9a2fac8fb4_0_197:notes"/>
+          <p:cNvPr id="169" name="Google Shape;169;g9a2fac8fb4_0_197:notes"/>
           <p:cNvSpPr/>
           <p:nvPr>
             <p:ph idx="2" type="sldImg"/>
@@ -1279,7 +1279,7 @@
       </p:sp>
       <p:sp>
         <p:nvSpPr>
-          <p:cNvPr id="167" name="Google Shape;167;g9a2fac8fb4_0_197:notes"/>
+          <p:cNvPr id="170" name="Google Shape;170;g9a2fac8fb4_0_197:notes"/>
           <p:cNvSpPr txBox="1"/>
           <p:nvPr>
             <p:ph idx="1" type="body"/>
@@ -1329,7 +1329,7 @@
   <p:cSld>
     <p:spTree>
       <p:nvGrpSpPr>
-        <p:cNvPr id="172" name="Shape 172"/>
+        <p:cNvPr id="175" name="Shape 175"/>
         <p:cNvGrpSpPr/>
         <p:nvPr/>
       </p:nvGrpSpPr>
@@ -1343,7 +1343,7 @@
       </p:grpSpPr>
       <p:sp>
         <p:nvSpPr>
-          <p:cNvPr id="173" name="Google Shape;173;g9a2fac8fb4_0_204:notes"/>
+          <p:cNvPr id="176" name="Google Shape;176;g9a2fac8fb4_0_204:notes"/>
           <p:cNvSpPr/>
           <p:nvPr>
             <p:ph idx="2" type="sldImg"/>
@@ -1378,7 +1378,7 @@
       </p:sp>
       <p:sp>
         <p:nvSpPr>
-          <p:cNvPr id="174" name="Google Shape;174;g9a2fac8fb4_0_204:notes"/>
+          <p:cNvPr id="177" name="Google Shape;177;g9a2fac8fb4_0_204:notes"/>
           <p:cNvSpPr txBox="1"/>
           <p:nvPr>
             <p:ph idx="1" type="body"/>
@@ -1428,7 +1428,7 @@
   <p:cSld>
     <p:spTree>
       <p:nvGrpSpPr>
-        <p:cNvPr id="179" name="Shape 179"/>
+        <p:cNvPr id="182" name="Shape 182"/>
         <p:cNvGrpSpPr/>
         <p:nvPr/>
       </p:nvGrpSpPr>
@@ -1442,7 +1442,7 @@
       </p:grpSpPr>
       <p:sp>
         <p:nvSpPr>
-          <p:cNvPr id="180" name="Google Shape;180;g9a2fac8fb4_0_211:notes"/>
+          <p:cNvPr id="183" name="Google Shape;183;g9a2fac8fb4_0_211:notes"/>
           <p:cNvSpPr/>
           <p:nvPr>
             <p:ph idx="2" type="sldImg"/>
@@ -1477,7 +1477,7 @@
       </p:sp>
       <p:sp>
         <p:nvSpPr>
-          <p:cNvPr id="181" name="Google Shape;181;g9a2fac8fb4_0_211:notes"/>
+          <p:cNvPr id="184" name="Google Shape;184;g9a2fac8fb4_0_211:notes"/>
           <p:cNvSpPr txBox="1"/>
           <p:nvPr>
             <p:ph idx="1" type="body"/>
@@ -9775,7 +9775,7 @@
         </p:nvSpPr>
         <p:spPr>
           <a:xfrm>
-            <a:off x="5083950" y="3924925"/>
+            <a:off x="5621163" y="2980700"/>
             <a:ext cx="3470700" cy="506100"/>
           </a:xfrm>
           <a:prstGeom prst="rect">
@@ -9861,6 +9861,212 @@
           </a:ln>
         </p:spPr>
       </p:pic>
+      <p:sp>
+        <p:nvSpPr>
+          <p:cNvPr id="138" name="Google Shape;138;p13"/>
+          <p:cNvSpPr txBox="1"/>
+          <p:nvPr/>
+        </p:nvSpPr>
+        <p:spPr>
+          <a:xfrm>
+            <a:off x="4779250" y="3708625"/>
+            <a:ext cx="3775800" cy="1194000"/>
+          </a:xfrm>
+          <a:prstGeom prst="rect">
+            <a:avLst/>
+          </a:prstGeom>
+          <a:noFill/>
+          <a:ln>
+            <a:noFill/>
+          </a:ln>
+        </p:spPr>
+        <p:txBody>
+          <a:bodyPr anchorCtr="0" anchor="t" bIns="91425" lIns="91425" spcFirstLastPara="1" rIns="91425" wrap="square" tIns="91425">
+            <a:noAutofit/>
+          </a:bodyPr>
+          <a:lstStyle/>
+          <a:p>
+            <a:pPr indent="0" lvl="0" marL="0" rtl="0" algn="l">
+              <a:spcBef>
+                <a:spcPts val="0"/>
+              </a:spcBef>
+              <a:spcAft>
+                <a:spcPts val="0"/>
+              </a:spcAft>
+              <a:buNone/>
+            </a:pPr>
+            <a:r>
+              <a:rPr lang="en" u="sng">
+                <a:solidFill>
+                  <a:schemeClr val="hlink"/>
+                </a:solidFill>
+                <a:latin typeface="Lato"/>
+                <a:ea typeface="Lato"/>
+                <a:cs typeface="Lato"/>
+                <a:sym typeface="Lato"/>
+                <a:hlinkClick r:id="rId5"/>
+              </a:rPr>
+              <a:t>https://www.linkedin.com/in/johann-dsouza/</a:t>
+            </a:r>
+            <a:endParaRPr>
+              <a:solidFill>
+                <a:srgbClr val="FFFFFF"/>
+              </a:solidFill>
+              <a:latin typeface="Lato"/>
+              <a:ea typeface="Lato"/>
+              <a:cs typeface="Lato"/>
+              <a:sym typeface="Lato"/>
+            </a:endParaRPr>
+          </a:p>
+          <a:p>
+            <a:pPr indent="0" lvl="0" marL="0" rtl="0" algn="l">
+              <a:spcBef>
+                <a:spcPts val="0"/>
+              </a:spcBef>
+              <a:spcAft>
+                <a:spcPts val="0"/>
+              </a:spcAft>
+              <a:buNone/>
+            </a:pPr>
+            <a:r>
+              <a:t/>
+            </a:r>
+            <a:endParaRPr>
+              <a:solidFill>
+                <a:srgbClr val="FFFFFF"/>
+              </a:solidFill>
+              <a:latin typeface="Lato"/>
+              <a:ea typeface="Lato"/>
+              <a:cs typeface="Lato"/>
+              <a:sym typeface="Lato"/>
+            </a:endParaRPr>
+          </a:p>
+          <a:p>
+            <a:pPr indent="0" lvl="0" marL="0" rtl="0" algn="l">
+              <a:spcBef>
+                <a:spcPts val="0"/>
+              </a:spcBef>
+              <a:spcAft>
+                <a:spcPts val="0"/>
+              </a:spcAft>
+              <a:buNone/>
+            </a:pPr>
+            <a:r>
+              <a:t/>
+            </a:r>
+            <a:endParaRPr>
+              <a:solidFill>
+                <a:srgbClr val="FFFFFF"/>
+              </a:solidFill>
+              <a:latin typeface="Lato"/>
+              <a:ea typeface="Lato"/>
+              <a:cs typeface="Lato"/>
+              <a:sym typeface="Lato"/>
+            </a:endParaRPr>
+          </a:p>
+          <a:p>
+            <a:pPr indent="0" lvl="0" marL="0" rtl="0" algn="l">
+              <a:spcBef>
+                <a:spcPts val="0"/>
+              </a:spcBef>
+              <a:spcAft>
+                <a:spcPts val="0"/>
+              </a:spcAft>
+              <a:buNone/>
+            </a:pPr>
+            <a:r>
+              <a:rPr lang="en" u="sng">
+                <a:solidFill>
+                  <a:schemeClr val="hlink"/>
+                </a:solidFill>
+                <a:latin typeface="Lato"/>
+                <a:ea typeface="Lato"/>
+                <a:cs typeface="Lato"/>
+                <a:sym typeface="Lato"/>
+                <a:hlinkClick r:id="rId6"/>
+              </a:rPr>
+              <a:t>https://github.com/dsouzaj98</a:t>
+            </a:r>
+            <a:r>
+              <a:rPr lang="en">
+                <a:solidFill>
+                  <a:srgbClr val="FFFFFF"/>
+                </a:solidFill>
+                <a:latin typeface="Lato"/>
+                <a:ea typeface="Lato"/>
+                <a:cs typeface="Lato"/>
+                <a:sym typeface="Lato"/>
+              </a:rPr>
+              <a:t> </a:t>
+            </a:r>
+            <a:endParaRPr>
+              <a:solidFill>
+                <a:srgbClr val="FFFFFF"/>
+              </a:solidFill>
+              <a:latin typeface="Lato"/>
+              <a:ea typeface="Lato"/>
+              <a:cs typeface="Lato"/>
+              <a:sym typeface="Lato"/>
+            </a:endParaRPr>
+          </a:p>
+        </p:txBody>
+      </p:sp>
+      <p:pic>
+        <p:nvPicPr>
+          <p:cNvPr id="139" name="Google Shape;139;p13"/>
+          <p:cNvPicPr preferRelativeResize="0"/>
+          <p:nvPr/>
+        </p:nvPicPr>
+        <p:blipFill>
+          <a:blip r:embed="rId7">
+            <a:alphaModFix/>
+          </a:blip>
+          <a:stretch>
+            <a:fillRect/>
+          </a:stretch>
+        </p:blipFill>
+        <p:spPr>
+          <a:xfrm>
+            <a:off x="4161175" y="3663400"/>
+            <a:ext cx="506100" cy="506100"/>
+          </a:xfrm>
+          <a:prstGeom prst="rect">
+            <a:avLst/>
+          </a:prstGeom>
+          <a:noFill/>
+          <a:ln>
+            <a:noFill/>
+          </a:ln>
+        </p:spPr>
+      </p:pic>
+      <p:pic>
+        <p:nvPicPr>
+          <p:cNvPr id="140" name="Google Shape;140;p13"/>
+          <p:cNvPicPr preferRelativeResize="0"/>
+          <p:nvPr/>
+        </p:nvPicPr>
+        <p:blipFill>
+          <a:blip r:embed="rId8">
+            <a:alphaModFix/>
+          </a:blip>
+          <a:stretch>
+            <a:fillRect/>
+          </a:stretch>
+        </p:blipFill>
+        <p:spPr>
+          <a:xfrm>
+            <a:off x="4161175" y="4396600"/>
+            <a:ext cx="506100" cy="506100"/>
+          </a:xfrm>
+          <a:prstGeom prst="rect">
+            <a:avLst/>
+          </a:prstGeom>
+          <a:noFill/>
+          <a:ln>
+            <a:noFill/>
+          </a:ln>
+        </p:spPr>
+      </p:pic>
     </p:spTree>
   </p:cSld>
   <p:clrMapOvr>
@@ -9874,7 +10080,7 @@
   <p:cSld>
     <p:spTree>
       <p:nvGrpSpPr>
-        <p:cNvPr id="141" name="Shape 141"/>
+        <p:cNvPr id="144" name="Shape 144"/>
         <p:cNvGrpSpPr/>
         <p:nvPr/>
       </p:nvGrpSpPr>
@@ -9888,7 +10094,7 @@
       </p:grpSpPr>
       <p:sp>
         <p:nvSpPr>
-          <p:cNvPr id="142" name="Google Shape;142;p14"/>
+          <p:cNvPr id="145" name="Google Shape;145;p14"/>
           <p:cNvSpPr txBox="1"/>
           <p:nvPr>
             <p:ph type="title"/>
@@ -9928,7 +10134,7 @@
       </p:sp>
       <p:sp>
         <p:nvSpPr>
-          <p:cNvPr id="143" name="Google Shape;143;p14"/>
+          <p:cNvPr id="146" name="Google Shape;146;p14"/>
           <p:cNvSpPr txBox="1"/>
           <p:nvPr>
             <p:ph idx="1" type="body"/>
@@ -10001,7 +10207,7 @@
       </p:sp>
       <p:pic>
         <p:nvPicPr>
-          <p:cNvPr id="144" name="Google Shape;144;p14"/>
+          <p:cNvPr id="147" name="Google Shape;147;p14"/>
           <p:cNvPicPr preferRelativeResize="0"/>
           <p:nvPr/>
         </p:nvPicPr>
@@ -10029,7 +10235,7 @@
       </p:pic>
       <p:pic>
         <p:nvPicPr>
-          <p:cNvPr id="145" name="Google Shape;145;p14"/>
+          <p:cNvPr id="148" name="Google Shape;148;p14"/>
           <p:cNvPicPr preferRelativeResize="0"/>
           <p:nvPr/>
         </p:nvPicPr>
@@ -10068,7 +10274,7 @@
   <p:cSld>
     <p:spTree>
       <p:nvGrpSpPr>
-        <p:cNvPr id="149" name="Shape 149"/>
+        <p:cNvPr id="152" name="Shape 152"/>
         <p:cNvGrpSpPr/>
         <p:nvPr/>
       </p:nvGrpSpPr>
@@ -10082,7 +10288,7 @@
       </p:grpSpPr>
       <p:sp>
         <p:nvSpPr>
-          <p:cNvPr id="150" name="Google Shape;150;p15"/>
+          <p:cNvPr id="153" name="Google Shape;153;p15"/>
           <p:cNvSpPr txBox="1"/>
           <p:nvPr>
             <p:ph type="title"/>
@@ -10122,7 +10328,7 @@
       </p:sp>
       <p:sp>
         <p:nvSpPr>
-          <p:cNvPr id="151" name="Google Shape;151;p15"/>
+          <p:cNvPr id="154" name="Google Shape;154;p15"/>
           <p:cNvSpPr txBox="1"/>
           <p:nvPr>
             <p:ph idx="1" type="body"/>
@@ -10283,7 +10489,7 @@
   <p:cSld>
     <p:spTree>
       <p:nvGrpSpPr>
-        <p:cNvPr id="155" name="Shape 155"/>
+        <p:cNvPr id="158" name="Shape 158"/>
         <p:cNvGrpSpPr/>
         <p:nvPr/>
       </p:nvGrpSpPr>
@@ -10297,7 +10503,7 @@
       </p:grpSpPr>
       <p:sp>
         <p:nvSpPr>
-          <p:cNvPr id="156" name="Google Shape;156;p16"/>
+          <p:cNvPr id="159" name="Google Shape;159;p16"/>
           <p:cNvSpPr txBox="1"/>
           <p:nvPr>
             <p:ph type="title"/>
@@ -10345,7 +10551,7 @@
       </p:sp>
       <p:sp>
         <p:nvSpPr>
-          <p:cNvPr id="157" name="Google Shape;157;p16"/>
+          <p:cNvPr id="160" name="Google Shape;160;p16"/>
           <p:cNvSpPr txBox="1"/>
           <p:nvPr>
             <p:ph idx="1" type="body"/>
@@ -10633,7 +10839,7 @@
       </p:sp>
       <p:sp>
         <p:nvSpPr>
-          <p:cNvPr id="158" name="Google Shape;158;p16"/>
+          <p:cNvPr id="161" name="Google Shape;161;p16"/>
           <p:cNvSpPr txBox="1"/>
           <p:nvPr>
             <p:ph idx="2" type="body"/>
@@ -11009,7 +11215,7 @@
   <p:cSld>
     <p:spTree>
       <p:nvGrpSpPr>
-        <p:cNvPr id="162" name="Shape 162"/>
+        <p:cNvPr id="165" name="Shape 165"/>
         <p:cNvGrpSpPr/>
         <p:nvPr/>
       </p:nvGrpSpPr>
@@ -11023,7 +11229,7 @@
       </p:grpSpPr>
       <p:sp>
         <p:nvSpPr>
-          <p:cNvPr id="163" name="Google Shape;163;p17"/>
+          <p:cNvPr id="166" name="Google Shape;166;p17"/>
           <p:cNvSpPr txBox="1"/>
           <p:nvPr>
             <p:ph type="title"/>
@@ -11063,7 +11269,7 @@
       </p:sp>
       <p:sp>
         <p:nvSpPr>
-          <p:cNvPr id="164" name="Google Shape;164;p17"/>
+          <p:cNvPr id="167" name="Google Shape;167;p17"/>
           <p:cNvSpPr txBox="1"/>
           <p:nvPr>
             <p:ph idx="1" type="body"/>
@@ -11241,7 +11447,7 @@
   <p:cSld>
     <p:spTree>
       <p:nvGrpSpPr>
-        <p:cNvPr id="168" name="Shape 168"/>
+        <p:cNvPr id="171" name="Shape 171"/>
         <p:cNvGrpSpPr/>
         <p:nvPr/>
       </p:nvGrpSpPr>
@@ -11255,7 +11461,7 @@
       </p:grpSpPr>
       <p:sp>
         <p:nvSpPr>
-          <p:cNvPr id="169" name="Google Shape;169;p18"/>
+          <p:cNvPr id="172" name="Google Shape;172;p18"/>
           <p:cNvSpPr txBox="1"/>
           <p:nvPr>
             <p:ph type="title"/>
@@ -11295,7 +11501,7 @@
       </p:sp>
       <p:sp>
         <p:nvSpPr>
-          <p:cNvPr id="170" name="Google Shape;170;p18"/>
+          <p:cNvPr id="173" name="Google Shape;173;p18"/>
           <p:cNvSpPr txBox="1"/>
           <p:nvPr>
             <p:ph idx="1" type="body"/>
@@ -11335,7 +11541,7 @@
       </p:sp>
       <p:pic>
         <p:nvPicPr>
-          <p:cNvPr id="171" name="Google Shape;171;p18"/>
+          <p:cNvPr id="174" name="Google Shape;174;p18"/>
           <p:cNvPicPr preferRelativeResize="0"/>
           <p:nvPr/>
         </p:nvPicPr>
@@ -11374,7 +11580,7 @@
   <p:cSld>
     <p:spTree>
       <p:nvGrpSpPr>
-        <p:cNvPr id="175" name="Shape 175"/>
+        <p:cNvPr id="178" name="Shape 178"/>
         <p:cNvGrpSpPr/>
         <p:nvPr/>
       </p:nvGrpSpPr>
@@ -11388,7 +11594,7 @@
       </p:grpSpPr>
       <p:sp>
         <p:nvSpPr>
-          <p:cNvPr id="176" name="Google Shape;176;p19"/>
+          <p:cNvPr id="179" name="Google Shape;179;p19"/>
           <p:cNvSpPr txBox="1"/>
           <p:nvPr>
             <p:ph type="title"/>
@@ -11428,7 +11634,7 @@
       </p:sp>
       <p:sp>
         <p:nvSpPr>
-          <p:cNvPr id="177" name="Google Shape;177;p19"/>
+          <p:cNvPr id="180" name="Google Shape;180;p19"/>
           <p:cNvSpPr txBox="1"/>
           <p:nvPr>
             <p:ph idx="1" type="body"/>
@@ -11503,7 +11709,7 @@
       </p:sp>
       <p:sp>
         <p:nvSpPr>
-          <p:cNvPr id="178" name="Google Shape;178;p19"/>
+          <p:cNvPr id="181" name="Google Shape;181;p19"/>
           <p:cNvSpPr txBox="1"/>
           <p:nvPr/>
         </p:nvSpPr>
@@ -11938,7 +12144,7 @@
   <p:cSld>
     <p:spTree>
       <p:nvGrpSpPr>
-        <p:cNvPr id="182" name="Shape 182"/>
+        <p:cNvPr id="185" name="Shape 185"/>
         <p:cNvGrpSpPr/>
         <p:nvPr/>
       </p:nvGrpSpPr>
@@ -11952,7 +12158,7 @@
       </p:grpSpPr>
       <p:sp>
         <p:nvSpPr>
-          <p:cNvPr id="183" name="Google Shape;183;p20"/>
+          <p:cNvPr id="186" name="Google Shape;186;p20"/>
           <p:cNvSpPr txBox="1"/>
           <p:nvPr>
             <p:ph type="title"/>
@@ -11992,7 +12198,7 @@
       </p:sp>
       <p:sp>
         <p:nvSpPr>
-          <p:cNvPr id="184" name="Google Shape;184;p20"/>
+          <p:cNvPr id="187" name="Google Shape;187;p20"/>
           <p:cNvSpPr txBox="1"/>
           <p:nvPr>
             <p:ph idx="1" type="body"/>

--- a/Book Recommender.pptx
+++ b/Book Recommender.pptx
@@ -16,30 +16,31 @@
     <p:sldId id="261" r:id="rId11"/>
     <p:sldId id="262" r:id="rId12"/>
     <p:sldId id="263" r:id="rId13"/>
+    <p:sldId id="264" r:id="rId14"/>
   </p:sldIdLst>
   <p:sldSz cy="5143500" cx="9144000"/>
   <p:notesSz cx="6858000" cy="9144000"/>
   <p:embeddedFontLst>
     <p:embeddedFont>
       <p:font typeface="Montserrat"/>
-      <p:regular r:id="rId14"/>
-      <p:bold r:id="rId15"/>
-      <p:italic r:id="rId16"/>
-      <p:boldItalic r:id="rId17"/>
+      <p:regular r:id="rId15"/>
+      <p:bold r:id="rId16"/>
+      <p:italic r:id="rId17"/>
+      <p:boldItalic r:id="rId18"/>
     </p:embeddedFont>
     <p:embeddedFont>
       <p:font typeface="Lato"/>
-      <p:regular r:id="rId18"/>
-      <p:bold r:id="rId19"/>
-      <p:italic r:id="rId20"/>
-      <p:boldItalic r:id="rId21"/>
+      <p:regular r:id="rId19"/>
+      <p:bold r:id="rId20"/>
+      <p:italic r:id="rId21"/>
+      <p:boldItalic r:id="rId22"/>
     </p:embeddedFont>
     <p:embeddedFont>
       <p:font typeface="Roboto Mono"/>
-      <p:regular r:id="rId22"/>
-      <p:bold r:id="rId23"/>
-      <p:italic r:id="rId24"/>
-      <p:boldItalic r:id="rId25"/>
+      <p:regular r:id="rId23"/>
+      <p:bold r:id="rId24"/>
+      <p:italic r:id="rId25"/>
+      <p:boldItalic r:id="rId26"/>
     </p:embeddedFont>
   </p:embeddedFontLst>
   <p:defaultTextStyle>
@@ -1478,6 +1479,105 @@
       <p:sp>
         <p:nvSpPr>
           <p:cNvPr id="184" name="Google Shape;184;g9a2fac8fb4_0_211:notes"/>
+          <p:cNvSpPr txBox="1"/>
+          <p:nvPr>
+            <p:ph idx="1" type="body"/>
+          </p:nvPr>
+        </p:nvSpPr>
+        <p:spPr>
+          <a:xfrm>
+            <a:off x="685800" y="4343400"/>
+            <a:ext cx="5486400" cy="4114800"/>
+          </a:xfrm>
+          <a:prstGeom prst="rect">
+            <a:avLst/>
+          </a:prstGeom>
+        </p:spPr>
+        <p:txBody>
+          <a:bodyPr anchorCtr="0" anchor="t" bIns="91425" lIns="91425" spcFirstLastPara="1" rIns="91425" wrap="square" tIns="91425">
+            <a:noAutofit/>
+          </a:bodyPr>
+          <a:lstStyle/>
+          <a:p>
+            <a:pPr indent="0" lvl="0" marL="0" rtl="0" algn="l">
+              <a:spcBef>
+                <a:spcPts val="0"/>
+              </a:spcBef>
+              <a:spcAft>
+                <a:spcPts val="0"/>
+              </a:spcAft>
+              <a:buNone/>
+            </a:pPr>
+            <a:r>
+              <a:t/>
+            </a:r>
+            <a:endParaRPr/>
+          </a:p>
+        </p:txBody>
+      </p:sp>
+    </p:spTree>
+  </p:cSld>
+  <p:clrMapOvr>
+    <a:masterClrMapping/>
+  </p:clrMapOvr>
+</p:notes>
+</file>
+
+<file path=ppt/notesSlides/notesSlide9.xml><?xml version="1.0" encoding="utf-8"?>
+<p:notes xmlns:a="http://schemas.openxmlformats.org/drawingml/2006/main" xmlns:r="http://schemas.openxmlformats.org/officeDocument/2006/relationships" xmlns:mc="http://schemas.openxmlformats.org/markup-compatibility/2006" xmlns:mv="urn:schemas-microsoft-com:mac:vml" xmlns:p="http://schemas.openxmlformats.org/presentationml/2006/main" xmlns:c="http://schemas.openxmlformats.org/drawingml/2006/chart" xmlns:dgm="http://schemas.openxmlformats.org/drawingml/2006/diagram" xmlns:o="urn:schemas-microsoft-com:office:office" xmlns:v="urn:schemas-microsoft-com:vml" xmlns:pvml="urn:schemas-microsoft-com:office:powerpoint" xmlns:com="http://schemas.openxmlformats.org/drawingml/2006/compatibility" xmlns:p14="http://schemas.microsoft.com/office/powerpoint/2010/main" xmlns:p15="http://schemas.microsoft.com/office/powerpoint/2012/main" xmlns:ahyp="http://schemas.microsoft.com/office/drawing/2018/hyperlinkcolor" showMasterPhAnim="0" showMasterSp="0">
+  <p:cSld>
+    <p:spTree>
+      <p:nvGrpSpPr>
+        <p:cNvPr id="188" name="Shape 188"/>
+        <p:cNvGrpSpPr/>
+        <p:nvPr/>
+      </p:nvGrpSpPr>
+      <p:grpSpPr>
+        <a:xfrm>
+          <a:off x="0" y="0"/>
+          <a:ext cx="0" cy="0"/>
+          <a:chOff x="0" y="0"/>
+          <a:chExt cx="0" cy="0"/>
+        </a:xfrm>
+      </p:grpSpPr>
+      <p:sp>
+        <p:nvSpPr>
+          <p:cNvPr id="189" name="Google Shape;189;g9b282d7af7_0_0:notes"/>
+          <p:cNvSpPr/>
+          <p:nvPr>
+            <p:ph idx="2" type="sldImg"/>
+          </p:nvPr>
+        </p:nvSpPr>
+        <p:spPr>
+          <a:xfrm>
+            <a:off x="381300" y="685800"/>
+            <a:ext cx="6096000" cy="3429000"/>
+          </a:xfrm>
+          <a:custGeom>
+            <a:rect b="b" l="l" r="r" t="t"/>
+            <a:pathLst>
+              <a:path extrusionOk="0" h="120000" w="120000">
+                <a:moveTo>
+                  <a:pt x="0" y="0"/>
+                </a:moveTo>
+                <a:lnTo>
+                  <a:pt x="120000" y="0"/>
+                </a:lnTo>
+                <a:lnTo>
+                  <a:pt x="120000" y="120000"/>
+                </a:lnTo>
+                <a:lnTo>
+                  <a:pt x="0" y="120000"/>
+                </a:lnTo>
+                <a:close/>
+              </a:path>
+            </a:pathLst>
+          </a:custGeom>
+        </p:spPr>
+      </p:sp>
+      <p:sp>
+        <p:nvSpPr>
+          <p:cNvPr id="190" name="Google Shape;190;g9b282d7af7_0_0:notes"/>
           <p:cNvSpPr txBox="1"/>
           <p:nvPr>
             <p:ph idx="1" type="body"/>
@@ -10142,7 +10242,7 @@
         </p:nvSpPr>
         <p:spPr>
           <a:xfrm>
-            <a:off x="1297500" y="1129300"/>
+            <a:off x="1297500" y="956050"/>
             <a:ext cx="7038900" cy="1027200"/>
           </a:xfrm>
           <a:prstGeom prst="rect">
@@ -10155,38 +10255,38 @@
           </a:bodyPr>
           <a:lstStyle/>
           <a:p>
-            <a:pPr indent="-311150" lvl="0" marL="457200" rtl="0" algn="l">
-              <a:spcBef>
-                <a:spcPts val="0"/>
-              </a:spcBef>
-              <a:spcAft>
-                <a:spcPts val="0"/>
-              </a:spcAft>
-              <a:buSzPts val="1300"/>
+            <a:pPr indent="-330200" lvl="0" marL="457200" rtl="0" algn="l">
+              <a:spcBef>
+                <a:spcPts val="1000"/>
+              </a:spcBef>
+              <a:spcAft>
+                <a:spcPts val="0"/>
+              </a:spcAft>
+              <a:buSzPts val="1600"/>
               <a:buChar char="●"/>
             </a:pPr>
             <a:r>
-              <a:rPr lang="en"/>
+              <a:rPr lang="en" sz="1600"/>
               <a:t>The goodbooks dataset from Kaggle contained 10,000 books with approximately 6 million individual ratings given by 53,424 unique users</a:t>
             </a:r>
-            <a:endParaRPr/>
+            <a:endParaRPr sz="1600"/>
           </a:p>
           <a:p>
-            <a:pPr indent="-311150" lvl="0" marL="457200" rtl="0" algn="l">
-              <a:spcBef>
-                <a:spcPts val="0"/>
-              </a:spcBef>
-              <a:spcAft>
-                <a:spcPts val="0"/>
-              </a:spcAft>
-              <a:buSzPts val="1300"/>
+            <a:pPr indent="-330200" lvl="0" marL="457200" rtl="0" algn="l">
+              <a:spcBef>
+                <a:spcPts val="1600"/>
+              </a:spcBef>
+              <a:spcAft>
+                <a:spcPts val="0"/>
+              </a:spcAft>
+              <a:buSzPts val="1600"/>
               <a:buChar char="●"/>
             </a:pPr>
             <a:r>
-              <a:rPr lang="en"/>
+              <a:rPr lang="en" sz="1600"/>
               <a:t>Ratings were given on a scale of 1 (worst) - 5 (best)</a:t>
             </a:r>
-            <a:endParaRPr/>
+            <a:endParaRPr sz="1600"/>
           </a:p>
           <a:p>
             <a:pPr indent="0" lvl="0" marL="0" rtl="0" algn="l">
@@ -11684,7 +11784,7 @@
             </a:pPr>
             <a:r>
               <a:rPr lang="en"/>
-              <a:t>Usea term frequency - inverse document frequency (tf-idf) vectorizer to  create a cosine similarity matrix  of the names of the authors</a:t>
+              <a:t>Use a term frequency - inverse document frequency (tf-idf) vectorizer to  create a cosine similarity matrix  of the names of the authors</a:t>
             </a:r>
             <a:endParaRPr/>
           </a:p>
@@ -12309,7 +12409,351 @@
 </p:sld>
 </file>
 
+<file path=ppt/slides/slide9.xml><?xml version="1.0" encoding="utf-8"?>
+<p:sld xmlns:a="http://schemas.openxmlformats.org/drawingml/2006/main" xmlns:r="http://schemas.openxmlformats.org/officeDocument/2006/relationships" xmlns:mc="http://schemas.openxmlformats.org/markup-compatibility/2006" xmlns:mv="urn:schemas-microsoft-com:mac:vml" xmlns:p="http://schemas.openxmlformats.org/presentationml/2006/main" xmlns:c="http://schemas.openxmlformats.org/drawingml/2006/chart" xmlns:dgm="http://schemas.openxmlformats.org/drawingml/2006/diagram" xmlns:o="urn:schemas-microsoft-com:office:office" xmlns:v="urn:schemas-microsoft-com:vml" xmlns:pvml="urn:schemas-microsoft-com:office:powerpoint" xmlns:com="http://schemas.openxmlformats.org/drawingml/2006/compatibility" xmlns:p14="http://schemas.microsoft.com/office/powerpoint/2010/main" xmlns:p15="http://schemas.microsoft.com/office/powerpoint/2012/main" xmlns:ahyp="http://schemas.microsoft.com/office/drawing/2018/hyperlinkcolor">
+  <p:cSld>
+    <p:spTree>
+      <p:nvGrpSpPr>
+        <p:cNvPr id="191" name="Shape 191"/>
+        <p:cNvGrpSpPr/>
+        <p:nvPr/>
+      </p:nvGrpSpPr>
+      <p:grpSpPr>
+        <a:xfrm>
+          <a:off x="0" y="0"/>
+          <a:ext cx="0" cy="0"/>
+          <a:chOff x="0" y="0"/>
+          <a:chExt cx="0" cy="0"/>
+        </a:xfrm>
+      </p:grpSpPr>
+      <p:sp>
+        <p:nvSpPr>
+          <p:cNvPr id="192" name="Google Shape;192;p21"/>
+          <p:cNvSpPr txBox="1"/>
+          <p:nvPr>
+            <p:ph type="title"/>
+          </p:nvPr>
+        </p:nvSpPr>
+        <p:spPr>
+          <a:xfrm>
+            <a:off x="1052550" y="2327700"/>
+            <a:ext cx="7038900" cy="914100"/>
+          </a:xfrm>
+          <a:prstGeom prst="rect">
+            <a:avLst/>
+          </a:prstGeom>
+        </p:spPr>
+        <p:txBody>
+          <a:bodyPr anchorCtr="0" anchor="t" bIns="91425" lIns="91425" spcFirstLastPara="1" rIns="91425" wrap="square" tIns="91425">
+            <a:noAutofit/>
+          </a:bodyPr>
+          <a:lstStyle/>
+          <a:p>
+            <a:pPr indent="0" lvl="0" marL="0" rtl="0" algn="ctr">
+              <a:spcBef>
+                <a:spcPts val="0"/>
+              </a:spcBef>
+              <a:spcAft>
+                <a:spcPts val="0"/>
+              </a:spcAft>
+              <a:buNone/>
+            </a:pPr>
+            <a:r>
+              <a:rPr lang="en" sz="4800"/>
+              <a:t>Thank You!</a:t>
+            </a:r>
+            <a:endParaRPr sz="4800"/>
+          </a:p>
+        </p:txBody>
+      </p:sp>
+    </p:spTree>
+  </p:cSld>
+  <p:clrMapOvr>
+    <a:masterClrMapping/>
+  </p:clrMapOvr>
+</p:sld>
+</file>
+
 <file path=ppt/theme/theme1.xml><?xml version="1.0" encoding="utf-8"?>
+<a:theme xmlns:a="http://schemas.openxmlformats.org/drawingml/2006/main" xmlns:r="http://schemas.openxmlformats.org/officeDocument/2006/relationships">
+  <a:themeElements>
+    <a:clrScheme name="Default">
+      <a:dk1>
+        <a:srgbClr val="000000"/>
+      </a:dk1>
+      <a:lt1>
+        <a:srgbClr val="FFFFFF"/>
+      </a:lt1>
+      <a:dk2>
+        <a:srgbClr val="158158"/>
+      </a:dk2>
+      <a:lt2>
+        <a:srgbClr val="F3F3F3"/>
+      </a:lt2>
+      <a:accent1>
+        <a:srgbClr val="058DC7"/>
+      </a:accent1>
+      <a:accent2>
+        <a:srgbClr val="50B432"/>
+      </a:accent2>
+      <a:accent3>
+        <a:srgbClr val="ED561B"/>
+      </a:accent3>
+      <a:accent4>
+        <a:srgbClr val="EDEF00"/>
+      </a:accent4>
+      <a:accent5>
+        <a:srgbClr val="24CBE5"/>
+      </a:accent5>
+      <a:accent6>
+        <a:srgbClr val="64E572"/>
+      </a:accent6>
+      <a:hlink>
+        <a:srgbClr val="2200CC"/>
+      </a:hlink>
+      <a:folHlink>
+        <a:srgbClr val="551A8B"/>
+      </a:folHlink>
+    </a:clrScheme>
+    <a:fontScheme name="Office">
+      <a:majorFont>
+        <a:latin typeface="Arial"/>
+        <a:ea typeface=""/>
+        <a:cs typeface=""/>
+        <a:font script="Jpan" typeface="ＭＳ Ｐゴシック"/>
+        <a:font script="Hang" typeface="맑은 고딕"/>
+        <a:font script="Hans" typeface="宋体"/>
+        <a:font script="Hant" typeface="新細明體"/>
+        <a:font script="Arab" typeface="Times New Roman"/>
+        <a:font script="Hebr" typeface="Times New Roman"/>
+        <a:font script="Thai" typeface="Angsana New"/>
+        <a:font script="Ethi" typeface="Nyala"/>
+        <a:font script="Beng" typeface="Vrinda"/>
+        <a:font script="Gujr" typeface="Shruti"/>
+        <a:font script="Khmr" typeface="MoolBoran"/>
+        <a:font script="Knda" typeface="Tunga"/>
+        <a:font script="Guru" typeface="Raavi"/>
+        <a:font script="Cans" typeface="Euphemia"/>
+        <a:font script="Cher" typeface="Plantagenet Cherokee"/>
+        <a:font script="Yiii" typeface="Microsoft Yi Baiti"/>
+        <a:font script="Tibt" typeface="Microsoft Himalaya"/>
+        <a:font script="Thaa" typeface="MV Boli"/>
+        <a:font script="Deva" typeface="Mangal"/>
+        <a:font script="Telu" typeface="Gautami"/>
+        <a:font script="Taml" typeface="Latha"/>
+        <a:font script="Syrc" typeface="Estrangelo Edessa"/>
+        <a:font script="Orya" typeface="Kalinga"/>
+        <a:font script="Mlym" typeface="Kartika"/>
+        <a:font script="Laoo" typeface="DokChampa"/>
+        <a:font script="Sinh" typeface="Iskoola Pota"/>
+        <a:font script="Mong" typeface="Mongolian Baiti"/>
+        <a:font script="Viet" typeface="Times New Roman"/>
+        <a:font script="Uigh" typeface="Microsoft Uighur"/>
+        <a:font script="Geor" typeface="Sylfaen"/>
+      </a:majorFont>
+      <a:minorFont>
+        <a:latin typeface="Arial"/>
+        <a:ea typeface=""/>
+        <a:cs typeface=""/>
+        <a:font script="Jpan" typeface="ＭＳ Ｐゴシック"/>
+        <a:font script="Hang" typeface="맑은 고딕"/>
+        <a:font script="Hans" typeface="宋体"/>
+        <a:font script="Hant" typeface="新細明體"/>
+        <a:font script="Arab" typeface="Arial"/>
+        <a:font script="Hebr" typeface="Arial"/>
+        <a:font script="Thai" typeface="Cordia New"/>
+        <a:font script="Ethi" typeface="Nyala"/>
+        <a:font script="Beng" typeface="Vrinda"/>
+        <a:font script="Gujr" typeface="Shruti"/>
+        <a:font script="Khmr" typeface="DaunPenh"/>
+        <a:font script="Knda" typeface="Tunga"/>
+        <a:font script="Guru" typeface="Raavi"/>
+        <a:font script="Cans" typeface="Euphemia"/>
+        <a:font script="Cher" typeface="Plantagenet Cherokee"/>
+        <a:font script="Yiii" typeface="Microsoft Yi Baiti"/>
+        <a:font script="Tibt" typeface="Microsoft Himalaya"/>
+        <a:font script="Thaa" typeface="MV Boli"/>
+        <a:font script="Deva" typeface="Mangal"/>
+        <a:font script="Telu" typeface="Gautami"/>
+        <a:font script="Taml" typeface="Latha"/>
+        <a:font script="Syrc" typeface="Estrangelo Edessa"/>
+        <a:font script="Orya" typeface="Kalinga"/>
+        <a:font script="Mlym" typeface="Kartika"/>
+        <a:font script="Laoo" typeface="DokChampa"/>
+        <a:font script="Sinh" typeface="Iskoola Pota"/>
+        <a:font script="Mong" typeface="Mongolian Baiti"/>
+        <a:font script="Viet" typeface="Arial"/>
+        <a:font script="Uigh" typeface="Microsoft Uighur"/>
+        <a:font script="Geor" typeface="Sylfaen"/>
+      </a:minorFont>
+    </a:fontScheme>
+    <a:fmtScheme name="Office">
+      <a:fillStyleLst>
+        <a:solidFill>
+          <a:schemeClr val="phClr"/>
+        </a:solidFill>
+        <a:gradFill rotWithShape="1">
+          <a:gsLst>
+            <a:gs pos="0">
+              <a:schemeClr val="phClr">
+                <a:tint val="50000"/>
+                <a:satMod val="300000"/>
+              </a:schemeClr>
+            </a:gs>
+            <a:gs pos="35000">
+              <a:schemeClr val="phClr">
+                <a:tint val="37000"/>
+                <a:satMod val="300000"/>
+              </a:schemeClr>
+            </a:gs>
+            <a:gs pos="100000">
+              <a:schemeClr val="phClr">
+                <a:tint val="15000"/>
+                <a:satMod val="350000"/>
+              </a:schemeClr>
+            </a:gs>
+          </a:gsLst>
+          <a:lin ang="16200000" scaled="1"/>
+        </a:gradFill>
+        <a:gradFill rotWithShape="1">
+          <a:gsLst>
+            <a:gs pos="0">
+              <a:schemeClr val="phClr">
+                <a:tint val="100000"/>
+                <a:shade val="100000"/>
+                <a:satMod val="130000"/>
+              </a:schemeClr>
+            </a:gs>
+            <a:gs pos="100000">
+              <a:schemeClr val="phClr">
+                <a:tint val="50000"/>
+                <a:shade val="100000"/>
+                <a:satMod val="350000"/>
+              </a:schemeClr>
+            </a:gs>
+          </a:gsLst>
+          <a:lin ang="16200000" scaled="0"/>
+        </a:gradFill>
+      </a:fillStyleLst>
+      <a:lnStyleLst>
+        <a:ln w="9525" cap="flat" cmpd="sng" algn="ctr">
+          <a:solidFill>
+            <a:schemeClr val="phClr">
+              <a:shade val="95000"/>
+              <a:satMod val="105000"/>
+            </a:schemeClr>
+          </a:solidFill>
+          <a:prstDash val="solid"/>
+        </a:ln>
+        <a:ln w="25400" cap="flat" cmpd="sng" algn="ctr">
+          <a:solidFill>
+            <a:schemeClr val="phClr"/>
+          </a:solidFill>
+          <a:prstDash val="solid"/>
+        </a:ln>
+        <a:ln w="38100" cap="flat" cmpd="sng" algn="ctr">
+          <a:solidFill>
+            <a:schemeClr val="phClr"/>
+          </a:solidFill>
+          <a:prstDash val="solid"/>
+        </a:ln>
+      </a:lnStyleLst>
+      <a:effectStyleLst>
+        <a:effectStyle>
+          <a:effectLst>
+            <a:outerShdw blurRad="40000" dist="20000" dir="5400000" rotWithShape="0">
+              <a:srgbClr val="000000">
+                <a:alpha val="38000"/>
+              </a:srgbClr>
+            </a:outerShdw>
+          </a:effectLst>
+        </a:effectStyle>
+        <a:effectStyle>
+          <a:effectLst>
+            <a:outerShdw blurRad="40000" dist="23000" dir="5400000" rotWithShape="0">
+              <a:srgbClr val="000000">
+                <a:alpha val="35000"/>
+              </a:srgbClr>
+            </a:outerShdw>
+          </a:effectLst>
+        </a:effectStyle>
+        <a:effectStyle>
+          <a:effectLst>
+            <a:outerShdw blurRad="40000" dist="23000" dir="5400000" rotWithShape="0">
+              <a:srgbClr val="000000">
+                <a:alpha val="35000"/>
+              </a:srgbClr>
+            </a:outerShdw>
+          </a:effectLst>
+          <a:scene3d>
+            <a:camera prst="orthographicFront">
+              <a:rot lat="0" lon="0" rev="0"/>
+            </a:camera>
+            <a:lightRig rig="threePt" dir="t">
+              <a:rot lat="0" lon="0" rev="1200000"/>
+            </a:lightRig>
+          </a:scene3d>
+          <a:sp3d>
+            <a:bevelT w="63500" h="25400"/>
+          </a:sp3d>
+        </a:effectStyle>
+      </a:effectStyleLst>
+      <a:bgFillStyleLst>
+        <a:solidFill>
+          <a:schemeClr val="phClr"/>
+        </a:solidFill>
+        <a:gradFill rotWithShape="1">
+          <a:gsLst>
+            <a:gs pos="0">
+              <a:schemeClr val="phClr">
+                <a:tint val="40000"/>
+                <a:satMod val="350000"/>
+              </a:schemeClr>
+            </a:gs>
+            <a:gs pos="40000">
+              <a:schemeClr val="phClr">
+                <a:tint val="45000"/>
+                <a:shade val="99000"/>
+                <a:satMod val="350000"/>
+              </a:schemeClr>
+            </a:gs>
+            <a:gs pos="100000">
+              <a:schemeClr val="phClr">
+                <a:shade val="20000"/>
+                <a:satMod val="255000"/>
+              </a:schemeClr>
+            </a:gs>
+          </a:gsLst>
+          <a:path path="circle">
+            <a:fillToRect l="50000" t="-80000" r="50000" b="180000"/>
+          </a:path>
+        </a:gradFill>
+        <a:gradFill rotWithShape="1">
+          <a:gsLst>
+            <a:gs pos="0">
+              <a:schemeClr val="phClr">
+                <a:tint val="80000"/>
+                <a:satMod val="300000"/>
+              </a:schemeClr>
+            </a:gs>
+            <a:gs pos="100000">
+              <a:schemeClr val="phClr">
+                <a:shade val="30000"/>
+                <a:satMod val="200000"/>
+              </a:schemeClr>
+            </a:gs>
+          </a:gsLst>
+          <a:path path="circle">
+            <a:fillToRect l="50000" t="50000" r="50000" b="50000"/>
+          </a:path>
+        </a:gradFill>
+      </a:bgFillStyleLst>
+    </a:fmtScheme>
+  </a:themeElements>
+</a:theme>
+</file>
+
+<file path=ppt/theme/theme2.xml><?xml version="1.0" encoding="utf-8"?>
 <a:theme xmlns:a="http://schemas.openxmlformats.org/drawingml/2006/main" xmlns:r="http://schemas.openxmlformats.org/officeDocument/2006/relationships" name="Focus">
   <a:themeElements>
     <a:clrScheme name="Focus">
@@ -12586,283 +13030,4 @@
     </a:fmtScheme>
   </a:themeElements>
 </a:theme>
-</file>
-
-<file path=ppt/theme/theme2.xml><?xml version="1.0" encoding="utf-8"?>
-<a:theme xmlns:a="http://schemas.openxmlformats.org/drawingml/2006/main" xmlns:r="http://schemas.openxmlformats.org/officeDocument/2006/relationships">
-  <a:themeElements>
-    <a:clrScheme name="Default">
-      <a:dk1>
-        <a:srgbClr val="000000"/>
-      </a:dk1>
-      <a:lt1>
-        <a:srgbClr val="FFFFFF"/>
-      </a:lt1>
-      <a:dk2>
-        <a:srgbClr val="158158"/>
-      </a:dk2>
-      <a:lt2>
-        <a:srgbClr val="F3F3F3"/>
-      </a:lt2>
-      <a:accent1>
-        <a:srgbClr val="058DC7"/>
-      </a:accent1>
-      <a:accent2>
-        <a:srgbClr val="50B432"/>
-      </a:accent2>
-      <a:accent3>
-        <a:srgbClr val="ED561B"/>
-      </a:accent3>
-      <a:accent4>
-        <a:srgbClr val="EDEF00"/>
-      </a:accent4>
-      <a:accent5>
-        <a:srgbClr val="24CBE5"/>
-      </a:accent5>
-      <a:accent6>
-        <a:srgbClr val="64E572"/>
-      </a:accent6>
-      <a:hlink>
-        <a:srgbClr val="2200CC"/>
-      </a:hlink>
-      <a:folHlink>
-        <a:srgbClr val="551A8B"/>
-      </a:folHlink>
-    </a:clrScheme>
-    <a:fontScheme name="Office">
-      <a:majorFont>
-        <a:latin typeface="Arial"/>
-        <a:ea typeface=""/>
-        <a:cs typeface=""/>
-        <a:font script="Jpan" typeface="ＭＳ Ｐゴシック"/>
-        <a:font script="Hang" typeface="맑은 고딕"/>
-        <a:font script="Hans" typeface="宋体"/>
-        <a:font script="Hant" typeface="新細明體"/>
-        <a:font script="Arab" typeface="Times New Roman"/>
-        <a:font script="Hebr" typeface="Times New Roman"/>
-        <a:font script="Thai" typeface="Angsana New"/>
-        <a:font script="Ethi" typeface="Nyala"/>
-        <a:font script="Beng" typeface="Vrinda"/>
-        <a:font script="Gujr" typeface="Shruti"/>
-        <a:font script="Khmr" typeface="MoolBoran"/>
-        <a:font script="Knda" typeface="Tunga"/>
-        <a:font script="Guru" typeface="Raavi"/>
-        <a:font script="Cans" typeface="Euphemia"/>
-        <a:font script="Cher" typeface="Plantagenet Cherokee"/>
-        <a:font script="Yiii" typeface="Microsoft Yi Baiti"/>
-        <a:font script="Tibt" typeface="Microsoft Himalaya"/>
-        <a:font script="Thaa" typeface="MV Boli"/>
-        <a:font script="Deva" typeface="Mangal"/>
-        <a:font script="Telu" typeface="Gautami"/>
-        <a:font script="Taml" typeface="Latha"/>
-        <a:font script="Syrc" typeface="Estrangelo Edessa"/>
-        <a:font script="Orya" typeface="Kalinga"/>
-        <a:font script="Mlym" typeface="Kartika"/>
-        <a:font script="Laoo" typeface="DokChampa"/>
-        <a:font script="Sinh" typeface="Iskoola Pota"/>
-        <a:font script="Mong" typeface="Mongolian Baiti"/>
-        <a:font script="Viet" typeface="Times New Roman"/>
-        <a:font script="Uigh" typeface="Microsoft Uighur"/>
-        <a:font script="Geor" typeface="Sylfaen"/>
-      </a:majorFont>
-      <a:minorFont>
-        <a:latin typeface="Arial"/>
-        <a:ea typeface=""/>
-        <a:cs typeface=""/>
-        <a:font script="Jpan" typeface="ＭＳ Ｐゴシック"/>
-        <a:font script="Hang" typeface="맑은 고딕"/>
-        <a:font script="Hans" typeface="宋体"/>
-        <a:font script="Hant" typeface="新細明體"/>
-        <a:font script="Arab" typeface="Arial"/>
-        <a:font script="Hebr" typeface="Arial"/>
-        <a:font script="Thai" typeface="Cordia New"/>
-        <a:font script="Ethi" typeface="Nyala"/>
-        <a:font script="Beng" typeface="Vrinda"/>
-        <a:font script="Gujr" typeface="Shruti"/>
-        <a:font script="Khmr" typeface="DaunPenh"/>
-        <a:font script="Knda" typeface="Tunga"/>
-        <a:font script="Guru" typeface="Raavi"/>
-        <a:font script="Cans" typeface="Euphemia"/>
-        <a:font script="Cher" typeface="Plantagenet Cherokee"/>
-        <a:font script="Yiii" typeface="Microsoft Yi Baiti"/>
-        <a:font script="Tibt" typeface="Microsoft Himalaya"/>
-        <a:font script="Thaa" typeface="MV Boli"/>
-        <a:font script="Deva" typeface="Mangal"/>
-        <a:font script="Telu" typeface="Gautami"/>
-        <a:font script="Taml" typeface="Latha"/>
-        <a:font script="Syrc" typeface="Estrangelo Edessa"/>
-        <a:font script="Orya" typeface="Kalinga"/>
-        <a:font script="Mlym" typeface="Kartika"/>
-        <a:font script="Laoo" typeface="DokChampa"/>
-        <a:font script="Sinh" typeface="Iskoola Pota"/>
-        <a:font script="Mong" typeface="Mongolian Baiti"/>
-        <a:font script="Viet" typeface="Arial"/>
-        <a:font script="Uigh" typeface="Microsoft Uighur"/>
-        <a:font script="Geor" typeface="Sylfaen"/>
-      </a:minorFont>
-    </a:fontScheme>
-    <a:fmtScheme name="Office">
-      <a:fillStyleLst>
-        <a:solidFill>
-          <a:schemeClr val="phClr"/>
-        </a:solidFill>
-        <a:gradFill rotWithShape="1">
-          <a:gsLst>
-            <a:gs pos="0">
-              <a:schemeClr val="phClr">
-                <a:tint val="50000"/>
-                <a:satMod val="300000"/>
-              </a:schemeClr>
-            </a:gs>
-            <a:gs pos="35000">
-              <a:schemeClr val="phClr">
-                <a:tint val="37000"/>
-                <a:satMod val="300000"/>
-              </a:schemeClr>
-            </a:gs>
-            <a:gs pos="100000">
-              <a:schemeClr val="phClr">
-                <a:tint val="15000"/>
-                <a:satMod val="350000"/>
-              </a:schemeClr>
-            </a:gs>
-          </a:gsLst>
-          <a:lin ang="16200000" scaled="1"/>
-        </a:gradFill>
-        <a:gradFill rotWithShape="1">
-          <a:gsLst>
-            <a:gs pos="0">
-              <a:schemeClr val="phClr">
-                <a:tint val="100000"/>
-                <a:shade val="100000"/>
-                <a:satMod val="130000"/>
-              </a:schemeClr>
-            </a:gs>
-            <a:gs pos="100000">
-              <a:schemeClr val="phClr">
-                <a:tint val="50000"/>
-                <a:shade val="100000"/>
-                <a:satMod val="350000"/>
-              </a:schemeClr>
-            </a:gs>
-          </a:gsLst>
-          <a:lin ang="16200000" scaled="0"/>
-        </a:gradFill>
-      </a:fillStyleLst>
-      <a:lnStyleLst>
-        <a:ln w="9525" cap="flat" cmpd="sng" algn="ctr">
-          <a:solidFill>
-            <a:schemeClr val="phClr">
-              <a:shade val="95000"/>
-              <a:satMod val="105000"/>
-            </a:schemeClr>
-          </a:solidFill>
-          <a:prstDash val="solid"/>
-        </a:ln>
-        <a:ln w="25400" cap="flat" cmpd="sng" algn="ctr">
-          <a:solidFill>
-            <a:schemeClr val="phClr"/>
-          </a:solidFill>
-          <a:prstDash val="solid"/>
-        </a:ln>
-        <a:ln w="38100" cap="flat" cmpd="sng" algn="ctr">
-          <a:solidFill>
-            <a:schemeClr val="phClr"/>
-          </a:solidFill>
-          <a:prstDash val="solid"/>
-        </a:ln>
-      </a:lnStyleLst>
-      <a:effectStyleLst>
-        <a:effectStyle>
-          <a:effectLst>
-            <a:outerShdw blurRad="40000" dist="20000" dir="5400000" rotWithShape="0">
-              <a:srgbClr val="000000">
-                <a:alpha val="38000"/>
-              </a:srgbClr>
-            </a:outerShdw>
-          </a:effectLst>
-        </a:effectStyle>
-        <a:effectStyle>
-          <a:effectLst>
-            <a:outerShdw blurRad="40000" dist="23000" dir="5400000" rotWithShape="0">
-              <a:srgbClr val="000000">
-                <a:alpha val="35000"/>
-              </a:srgbClr>
-            </a:outerShdw>
-          </a:effectLst>
-        </a:effectStyle>
-        <a:effectStyle>
-          <a:effectLst>
-            <a:outerShdw blurRad="40000" dist="23000" dir="5400000" rotWithShape="0">
-              <a:srgbClr val="000000">
-                <a:alpha val="35000"/>
-              </a:srgbClr>
-            </a:outerShdw>
-          </a:effectLst>
-          <a:scene3d>
-            <a:camera prst="orthographicFront">
-              <a:rot lat="0" lon="0" rev="0"/>
-            </a:camera>
-            <a:lightRig rig="threePt" dir="t">
-              <a:rot lat="0" lon="0" rev="1200000"/>
-            </a:lightRig>
-          </a:scene3d>
-          <a:sp3d>
-            <a:bevelT w="63500" h="25400"/>
-          </a:sp3d>
-        </a:effectStyle>
-      </a:effectStyleLst>
-      <a:bgFillStyleLst>
-        <a:solidFill>
-          <a:schemeClr val="phClr"/>
-        </a:solidFill>
-        <a:gradFill rotWithShape="1">
-          <a:gsLst>
-            <a:gs pos="0">
-              <a:schemeClr val="phClr">
-                <a:tint val="40000"/>
-                <a:satMod val="350000"/>
-              </a:schemeClr>
-            </a:gs>
-            <a:gs pos="40000">
-              <a:schemeClr val="phClr">
-                <a:tint val="45000"/>
-                <a:shade val="99000"/>
-                <a:satMod val="350000"/>
-              </a:schemeClr>
-            </a:gs>
-            <a:gs pos="100000">
-              <a:schemeClr val="phClr">
-                <a:shade val="20000"/>
-                <a:satMod val="255000"/>
-              </a:schemeClr>
-            </a:gs>
-          </a:gsLst>
-          <a:path path="circle">
-            <a:fillToRect l="50000" t="-80000" r="50000" b="180000"/>
-          </a:path>
-        </a:gradFill>
-        <a:gradFill rotWithShape="1">
-          <a:gsLst>
-            <a:gs pos="0">
-              <a:schemeClr val="phClr">
-                <a:tint val="80000"/>
-                <a:satMod val="300000"/>
-              </a:schemeClr>
-            </a:gs>
-            <a:gs pos="100000">
-              <a:schemeClr val="phClr">
-                <a:shade val="30000"/>
-                <a:satMod val="200000"/>
-              </a:schemeClr>
-            </a:gs>
-          </a:gsLst>
-          <a:path path="circle">
-            <a:fillToRect l="50000" t="50000" r="50000" b="50000"/>
-          </a:path>
-        </a:gradFill>
-      </a:bgFillStyleLst>
-    </a:fmtScheme>
-  </a:themeElements>
-</a:theme>
 </file>